--- a/Presentation.pptx
+++ b/Presentation.pptx
@@ -5,11 +5,12 @@
     <p:sldMasterId id="2147483648" r:id="rId4"/>
   </p:sldMasterIdLst>
   <p:notesMasterIdLst>
-    <p:notesMasterId r:id="rId7"/>
+    <p:notesMasterId r:id="rId8"/>
   </p:notesMasterIdLst>
   <p:sldIdLst>
     <p:sldId id="256" r:id="rId5"/>
     <p:sldId id="257" r:id="rId6"/>
+    <p:sldId id="258" r:id="rId7"/>
   </p:sldIdLst>
   <p:sldSz cx="12192000" cy="6858000"/>
   <p:notesSz cx="6858000" cy="9144000"/>
@@ -198,7 +199,7 @@
           <a:p>
             <a:fld id="{924E93B6-505D-4EE0-B4AB-BB3A6C78B198}" type="datetimeFigureOut">
               <a:rPr lang="en-US"/>
-              <a:t>10/7/2014</a:t>
+              <a:t>10/11/2014</a:t>
             </a:fld>
             <a:endParaRPr lang="en-US"/>
           </a:p>
@@ -764,7 +765,7 @@
           <a:p>
             <a:fld id="{F1FA7AC5-6045-4418-8E60-F48788734473}" type="datetimeFigureOut">
               <a:rPr lang="en-US" smtClean="0"/>
-              <a:t>10/7/2014</a:t>
+              <a:t>10/11/2014</a:t>
             </a:fld>
             <a:endParaRPr lang="en-US"/>
           </a:p>
@@ -934,7 +935,7 @@
           <a:p>
             <a:fld id="{F1FA7AC5-6045-4418-8E60-F48788734473}" type="datetimeFigureOut">
               <a:rPr lang="en-US" smtClean="0"/>
-              <a:t>10/7/2014</a:t>
+              <a:t>10/11/2014</a:t>
             </a:fld>
             <a:endParaRPr lang="en-US"/>
           </a:p>
@@ -1114,7 +1115,7 @@
           <a:p>
             <a:fld id="{F1FA7AC5-6045-4418-8E60-F48788734473}" type="datetimeFigureOut">
               <a:rPr lang="en-US" smtClean="0"/>
-              <a:t>10/7/2014</a:t>
+              <a:t>10/11/2014</a:t>
             </a:fld>
             <a:endParaRPr lang="en-US"/>
           </a:p>
@@ -1284,7 +1285,7 @@
           <a:p>
             <a:fld id="{F1FA7AC5-6045-4418-8E60-F48788734473}" type="datetimeFigureOut">
               <a:rPr lang="en-US" smtClean="0"/>
-              <a:t>10/7/2014</a:t>
+              <a:t>10/11/2014</a:t>
             </a:fld>
             <a:endParaRPr lang="en-US"/>
           </a:p>
@@ -1530,7 +1531,7 @@
           <a:p>
             <a:fld id="{F1FA7AC5-6045-4418-8E60-F48788734473}" type="datetimeFigureOut">
               <a:rPr lang="en-US" smtClean="0"/>
-              <a:t>10/7/2014</a:t>
+              <a:t>10/11/2014</a:t>
             </a:fld>
             <a:endParaRPr lang="en-US"/>
           </a:p>
@@ -1762,7 +1763,7 @@
           <a:p>
             <a:fld id="{F1FA7AC5-6045-4418-8E60-F48788734473}" type="datetimeFigureOut">
               <a:rPr lang="en-US" smtClean="0"/>
-              <a:t>10/7/2014</a:t>
+              <a:t>10/11/2014</a:t>
             </a:fld>
             <a:endParaRPr lang="en-US"/>
           </a:p>
@@ -2129,7 +2130,7 @@
           <a:p>
             <a:fld id="{F1FA7AC5-6045-4418-8E60-F48788734473}" type="datetimeFigureOut">
               <a:rPr lang="en-US" smtClean="0"/>
-              <a:t>10/7/2014</a:t>
+              <a:t>10/11/2014</a:t>
             </a:fld>
             <a:endParaRPr lang="en-US"/>
           </a:p>
@@ -2247,7 +2248,7 @@
           <a:p>
             <a:fld id="{F1FA7AC5-6045-4418-8E60-F48788734473}" type="datetimeFigureOut">
               <a:rPr lang="en-US" smtClean="0"/>
-              <a:t>10/7/2014</a:t>
+              <a:t>10/11/2014</a:t>
             </a:fld>
             <a:endParaRPr lang="en-US"/>
           </a:p>
@@ -2342,7 +2343,7 @@
           <a:p>
             <a:fld id="{F1FA7AC5-6045-4418-8E60-F48788734473}" type="datetimeFigureOut">
               <a:rPr lang="en-US" smtClean="0"/>
-              <a:t>10/7/2014</a:t>
+              <a:t>10/11/2014</a:t>
             </a:fld>
             <a:endParaRPr lang="en-US"/>
           </a:p>
@@ -2619,7 +2620,7 @@
           <a:p>
             <a:fld id="{F1FA7AC5-6045-4418-8E60-F48788734473}" type="datetimeFigureOut">
               <a:rPr lang="en-US" smtClean="0"/>
-              <a:t>10/7/2014</a:t>
+              <a:t>10/11/2014</a:t>
             </a:fld>
             <a:endParaRPr lang="en-US"/>
           </a:p>
@@ -2872,7 +2873,7 @@
           <a:p>
             <a:fld id="{F1FA7AC5-6045-4418-8E60-F48788734473}" type="datetimeFigureOut">
               <a:rPr lang="en-US" smtClean="0"/>
-              <a:t>10/7/2014</a:t>
+              <a:t>10/11/2014</a:t>
             </a:fld>
             <a:endParaRPr lang="en-US"/>
           </a:p>
@@ -3085,7 +3086,7 @@
           <a:p>
             <a:fld id="{F1FA7AC5-6045-4418-8E60-F48788734473}" type="datetimeFigureOut">
               <a:rPr lang="en-US" smtClean="0"/>
-              <a:t>10/7/2014</a:t>
+              <a:t>10/11/2014</a:t>
             </a:fld>
             <a:endParaRPr lang="en-US"/>
           </a:p>
@@ -3517,7 +3518,7 @@
           <a:lstStyle/>
           <a:p>
             <a:r>
-              <a:rPr lang="en-US">
+              <a:rPr lang="en-US" dirty="0">
                 <a:solidFill>
                   <a:srgbClr val="000000"/>
                 </a:solidFill>
@@ -3539,17 +3540,124 @@
         </p:nvSpPr>
         <p:spPr/>
         <p:txBody>
-          <a:bodyPr/>
-          <a:lstStyle/>
-          <a:p>
-            <a:r>
-              <a:rPr lang="en-US">
+          <a:bodyPr>
+            <a:noAutofit/>
+          </a:bodyPr>
+          <a:lstStyle/>
+          <a:p>
+            <a:r>
+              <a:rPr lang="en-US" sz="2800" dirty="0">
                 <a:solidFill>
                   <a:srgbClr val="000000"/>
                 </a:solidFill>
               </a:rPr>
-              <a:t>Using Jasmine to Ensure Your Code Doesn't Stink</a:t>
-            </a:r>
+              <a:t>Using </a:t>
+            </a:r>
+            <a:r>
+              <a:rPr lang="en-US" sz="2800" dirty="0" smtClean="0">
+                <a:solidFill>
+                  <a:srgbClr val="000000"/>
+                </a:solidFill>
+              </a:rPr>
+              <a:t>Jasmine </a:t>
+            </a:r>
+            <a:r>
+              <a:rPr lang="en-US" sz="2800" dirty="0">
+                <a:solidFill>
+                  <a:srgbClr val="000000"/>
+                </a:solidFill>
+              </a:rPr>
+              <a:t>to </a:t>
+            </a:r>
+            <a:r>
+              <a:rPr lang="en-US" sz="2800" dirty="0" smtClean="0">
+                <a:solidFill>
+                  <a:srgbClr val="000000"/>
+                </a:solidFill>
+              </a:rPr>
+              <a:t>‘De-Stinkify’ Your Code</a:t>
+            </a:r>
+          </a:p>
+          <a:p>
+            <a:endParaRPr lang="en-US" sz="2800" dirty="0">
+              <a:solidFill>
+                <a:srgbClr val="000000"/>
+              </a:solidFill>
+            </a:endParaRPr>
+          </a:p>
+          <a:p>
+            <a:endParaRPr lang="en-US" sz="2800" dirty="0" smtClean="0">
+              <a:solidFill>
+                <a:srgbClr val="000000"/>
+              </a:solidFill>
+            </a:endParaRPr>
+          </a:p>
+          <a:p>
+            <a:r>
+              <a:rPr lang="en-US" sz="2800" dirty="0" smtClean="0">
+                <a:solidFill>
+                  <a:srgbClr val="000000"/>
+                </a:solidFill>
+              </a:rPr>
+              <a:t>Mike Bowman </a:t>
+            </a:r>
+          </a:p>
+          <a:p>
+            <a:r>
+              <a:rPr lang="en-US" sz="2800" dirty="0" smtClean="0">
+                <a:solidFill>
+                  <a:srgbClr val="000000"/>
+                </a:solidFill>
+              </a:rPr>
+              <a:t>Associate Consultant at Improving Enterprises</a:t>
+            </a:r>
+          </a:p>
+          <a:p>
+            <a:r>
+              <a:rPr lang="en-US" sz="2800" dirty="0" smtClean="0">
+                <a:solidFill>
+                  <a:srgbClr val="000000"/>
+                </a:solidFill>
+              </a:rPr>
+              <a:t>Twitter: @</a:t>
+            </a:r>
+            <a:r>
+              <a:rPr lang="en-US" sz="2800" dirty="0" err="1" smtClean="0">
+                <a:solidFill>
+                  <a:srgbClr val="000000"/>
+                </a:solidFill>
+              </a:rPr>
+              <a:t>fireprooftech</a:t>
+            </a:r>
+            <a:r>
+              <a:rPr lang="en-US" sz="2800" dirty="0" smtClean="0">
+                <a:solidFill>
+                  <a:srgbClr val="000000"/>
+                </a:solidFill>
+              </a:rPr>
+              <a:t>	</a:t>
+            </a:r>
+            <a:r>
+              <a:rPr lang="en-US" sz="2800" dirty="0" err="1" smtClean="0">
+                <a:solidFill>
+                  <a:srgbClr val="000000"/>
+                </a:solidFill>
+              </a:rPr>
+              <a:t>Github</a:t>
+            </a:r>
+            <a:r>
+              <a:rPr lang="en-US" sz="2800" dirty="0" smtClean="0">
+                <a:solidFill>
+                  <a:srgbClr val="000000"/>
+                </a:solidFill>
+              </a:rPr>
+              <a:t>: mbowman8</a:t>
+            </a:r>
+            <a:endParaRPr lang="en-US" sz="2800" dirty="0">
+              <a:solidFill>
+                <a:srgbClr val="000000"/>
+              </a:solidFill>
+            </a:endParaRPr>
           </a:p>
         </p:txBody>
       </p:sp>
@@ -3643,6 +3751,128 @@
     <p:extLst>
       <p:ext uri="{BB962C8B-B14F-4D97-AF65-F5344CB8AC3E}">
         <p14:creationId xmlns:p14="http://schemas.microsoft.com/office/powerpoint/2010/main" val="3871848682"/>
+      </p:ext>
+    </p:extLst>
+  </p:cSld>
+  <p:clrMapOvr>
+    <a:masterClrMapping/>
+  </p:clrMapOvr>
+</p:sld>
+</file>
+
+<file path=ppt/slides/slide3.xml><?xml version="1.0" encoding="utf-8"?>
+<p:sld xmlns:a="http://schemas.openxmlformats.org/drawingml/2006/main" xmlns:r="http://schemas.openxmlformats.org/officeDocument/2006/relationships" xmlns:p="http://schemas.openxmlformats.org/presentationml/2006/main">
+  <p:cSld>
+    <p:spTree>
+      <p:nvGrpSpPr>
+        <p:cNvPr id="1" name=""/>
+        <p:cNvGrpSpPr/>
+        <p:nvPr/>
+      </p:nvGrpSpPr>
+      <p:grpSpPr>
+        <a:xfrm>
+          <a:off x="0" y="0"/>
+          <a:ext cx="0" cy="0"/>
+          <a:chOff x="0" y="0"/>
+          <a:chExt cx="0" cy="0"/>
+        </a:xfrm>
+      </p:grpSpPr>
+      <p:sp>
+        <p:nvSpPr>
+          <p:cNvPr id="2" name="Title 1"/>
+          <p:cNvSpPr>
+            <a:spLocks noGrp="1"/>
+          </p:cNvSpPr>
+          <p:nvPr>
+            <p:ph type="title"/>
+          </p:nvPr>
+        </p:nvSpPr>
+        <p:spPr/>
+        <p:txBody>
+          <a:bodyPr/>
+          <a:lstStyle/>
+          <a:p>
+            <a:r>
+              <a:rPr lang="en-US" dirty="0" smtClean="0"/>
+              <a:t>Resources</a:t>
+            </a:r>
+            <a:endParaRPr lang="en-US" dirty="0"/>
+          </a:p>
+        </p:txBody>
+      </p:sp>
+      <p:sp>
+        <p:nvSpPr>
+          <p:cNvPr id="3" name="Content Placeholder 2"/>
+          <p:cNvSpPr>
+            <a:spLocks noGrp="1"/>
+          </p:cNvSpPr>
+          <p:nvPr>
+            <p:ph idx="1"/>
+          </p:nvPr>
+        </p:nvSpPr>
+        <p:spPr/>
+        <p:txBody>
+          <a:bodyPr/>
+          <a:lstStyle/>
+          <a:p>
+            <a:r>
+              <a:rPr lang="en-US" dirty="0">
+                <a:hlinkClick r:id="rId2"/>
+              </a:rPr>
+              <a:t>https://</a:t>
+            </a:r>
+            <a:r>
+              <a:rPr lang="en-US" dirty="0" smtClean="0">
+                <a:hlinkClick r:id="rId2"/>
+              </a:rPr>
+              <a:t>github.com/pivotal/jasmine/wiki/Spies</a:t>
+            </a:r>
+            <a:endParaRPr lang="en-US" dirty="0" smtClean="0"/>
+          </a:p>
+          <a:p>
+            <a:r>
+              <a:rPr lang="en-US" dirty="0" smtClean="0">
+                <a:hlinkClick r:id="rId3"/>
+              </a:rPr>
+              <a:t>http</a:t>
+            </a:r>
+            <a:r>
+              <a:rPr lang="en-US" dirty="0">
+                <a:hlinkClick r:id="rId3"/>
+              </a:rPr>
+              <a:t>://</a:t>
+            </a:r>
+            <a:r>
+              <a:rPr lang="en-US" dirty="0" smtClean="0">
+                <a:hlinkClick r:id="rId3"/>
+              </a:rPr>
+              <a:t>jasmine.github.io/2.0/introduction.html</a:t>
+            </a:r>
+            <a:endParaRPr lang="en-US" dirty="0" smtClean="0"/>
+          </a:p>
+          <a:p>
+            <a:r>
+              <a:rPr lang="en-US" dirty="0" smtClean="0"/>
+              <a:t>wikipedia.org </a:t>
+            </a:r>
+            <a:r>
+              <a:rPr lang="en-US" dirty="0"/>
+              <a:t>for TDD and </a:t>
+            </a:r>
+            <a:r>
+              <a:rPr lang="en-US" dirty="0" smtClean="0"/>
+              <a:t>BDD (I know what you’re thinking; trust me, they’re legit)</a:t>
+            </a:r>
+          </a:p>
+          <a:p>
+            <a:endParaRPr lang="en-US" dirty="0"/>
+          </a:p>
+        </p:txBody>
+      </p:sp>
+    </p:spTree>
+    <p:extLst>
+      <p:ext uri="{BB962C8B-B14F-4D97-AF65-F5344CB8AC3E}">
+        <p14:creationId xmlns:p14="http://schemas.microsoft.com/office/powerpoint/2010/main" val="1301121962"/>
       </p:ext>
     </p:extLst>
   </p:cSld>
@@ -4175,9 +4405,12 @@
 </file>
 
 <file path=customXml/item1.xml><?xml version="1.0" encoding="utf-8"?>
-<p:properties xmlns:p="http://schemas.microsoft.com/office/2006/metadata/properties" xmlns:xsi="http://www.w3.org/2001/XMLSchema-instance" xmlns:pc="http://schemas.microsoft.com/office/infopath/2007/PartnerControls">
-  <documentManagement/>
-</p:properties>
+<?mso-contentType ?>
+<FormTemplates xmlns="http://schemas.microsoft.com/sharepoint/v3/contenttype/forms">
+  <Display>DocumentLibraryForm</Display>
+  <Edit>DocumentLibraryForm</Edit>
+  <New>DocumentLibraryForm</New>
+</FormTemplates>
 </file>
 
 <file path=customXml/item2.xml><?xml version="1.0" encoding="utf-8"?>
@@ -4295,19 +4528,15 @@
 </file>
 
 <file path=customXml/item3.xml><?xml version="1.0" encoding="utf-8"?>
-<?mso-contentType ?>
-<FormTemplates xmlns="http://schemas.microsoft.com/sharepoint/v3/contenttype/forms">
-  <Display>DocumentLibraryForm</Display>
-  <Edit>DocumentLibraryForm</Edit>
-  <New>DocumentLibraryForm</New>
-</FormTemplates>
+<p:properties xmlns:p="http://schemas.microsoft.com/office/2006/metadata/properties" xmlns:xsi="http://www.w3.org/2001/XMLSchema-instance" xmlns:pc="http://schemas.microsoft.com/office/infopath/2007/PartnerControls">
+  <documentManagement/>
+</p:properties>
 </file>
 
 <file path=customXml/itemProps1.xml><?xml version="1.0" encoding="utf-8"?>
-<ds:datastoreItem xmlns:ds="http://schemas.openxmlformats.org/officeDocument/2006/customXml" ds:itemID="{AC3553B6-D68B-4809-867D-DBAB1F7F0608}">
+<ds:datastoreItem xmlns:ds="http://schemas.openxmlformats.org/officeDocument/2006/customXml" ds:itemID="{6E7DE9A0-3F98-4583-B974-9B7830883254}">
   <ds:schemaRefs>
-    <ds:schemaRef ds:uri="http://schemas.microsoft.com/office/2006/metadata/properties"/>
-    <ds:schemaRef ds:uri="http://schemas.microsoft.com/office/infopath/2007/PartnerControls"/>
+    <ds:schemaRef ds:uri="http://schemas.microsoft.com/sharepoint/v3/contenttype/forms"/>
   </ds:schemaRefs>
 </ds:datastoreItem>
 </file>
@@ -4329,9 +4558,10 @@
 </file>
 
 <file path=customXml/itemProps3.xml><?xml version="1.0" encoding="utf-8"?>
-<ds:datastoreItem xmlns:ds="http://schemas.openxmlformats.org/officeDocument/2006/customXml" ds:itemID="{6E7DE9A0-3F98-4583-B974-9B7830883254}">
+<ds:datastoreItem xmlns:ds="http://schemas.openxmlformats.org/officeDocument/2006/customXml" ds:itemID="{AC3553B6-D68B-4809-867D-DBAB1F7F0608}">
   <ds:schemaRefs>
-    <ds:schemaRef ds:uri="http://schemas.microsoft.com/sharepoint/v3/contenttype/forms"/>
+    <ds:schemaRef ds:uri="http://schemas.microsoft.com/office/2006/metadata/properties"/>
+    <ds:schemaRef ds:uri="http://schemas.microsoft.com/office/infopath/2007/PartnerControls"/>
   </ds:schemaRefs>
 </ds:datastoreItem>
 </file>